--- a/day1/Introduction.pptx
+++ b/day1/Introduction.pptx
@@ -2791,13 +2791,7 @@
               <a:rPr b="0" lang="en-US" sz="4400" spc="-1" strike="noStrike">
                 <a:latin typeface="Arial"/>
               </a:rPr>
-              <a:t>Click to edit the </a:t>
-            </a:r>
-            <a:r>
-              <a:rPr b="0" lang="en-US" sz="4400" spc="-1" strike="noStrike">
-                <a:latin typeface="Arial"/>
-              </a:rPr>
-              <a:t>title text format</a:t>
+              <a:t>Click to edit the title text format</a:t>
             </a:r>
             <a:endParaRPr b="0" lang="en-US" sz="4400" spc="-1" strike="noStrike">
               <a:latin typeface="Arial"/>
@@ -3057,31 +3051,7 @@
               <a:rPr b="0" lang="en-US" sz="4400" spc="-1" strike="noStrike">
                 <a:latin typeface="Arial"/>
               </a:rPr>
-              <a:t>Click </a:t>
-            </a:r>
-            <a:r>
-              <a:rPr b="0" lang="en-US" sz="4400" spc="-1" strike="noStrike">
-                <a:latin typeface="Arial"/>
-              </a:rPr>
-              <a:t>to edit </a:t>
-            </a:r>
-            <a:r>
-              <a:rPr b="0" lang="en-US" sz="4400" spc="-1" strike="noStrike">
-                <a:latin typeface="Arial"/>
-              </a:rPr>
-              <a:t>the title </a:t>
-            </a:r>
-            <a:r>
-              <a:rPr b="0" lang="en-US" sz="4400" spc="-1" strike="noStrike">
-                <a:latin typeface="Arial"/>
-              </a:rPr>
-              <a:t>text </a:t>
-            </a:r>
-            <a:r>
-              <a:rPr b="0" lang="en-US" sz="4400" spc="-1" strike="noStrike">
-                <a:latin typeface="Arial"/>
-              </a:rPr>
-              <a:t>format</a:t>
+              <a:t>Click to edit the title text format</a:t>
             </a:r>
             <a:endParaRPr b="0" lang="en-US" sz="4400" spc="-1" strike="noStrike">
               <a:latin typeface="Arial"/>
@@ -3314,7 +3284,7 @@
         <p:spPr>
           <a:xfrm>
             <a:off x="611640" y="2441520"/>
-            <a:ext cx="7770960" cy="1468440"/>
+            <a:ext cx="7770600" cy="1468080"/>
           </a:xfrm>
           <a:prstGeom prst="rect">
             <a:avLst/>
@@ -3365,7 +3335,7 @@
         <p:spPr>
           <a:xfrm>
             <a:off x="155520" y="-144360"/>
-            <a:ext cx="303480" cy="303480"/>
+            <a:ext cx="303120" cy="303120"/>
           </a:xfrm>
           <a:prstGeom prst="rect">
             <a:avLst/>
@@ -3395,7 +3365,7 @@
         <p:spPr>
           <a:xfrm>
             <a:off x="155520" y="160200"/>
-            <a:ext cx="4775040" cy="1851840"/>
+            <a:ext cx="4774680" cy="1851480"/>
           </a:xfrm>
           <a:prstGeom prst="rect">
             <a:avLst/>
@@ -3414,7 +3384,7 @@
         <p:spPr>
           <a:xfrm>
             <a:off x="2468880" y="3910320"/>
-            <a:ext cx="2468520" cy="345960"/>
+            <a:ext cx="2468160" cy="345600"/>
           </a:xfrm>
           <a:prstGeom prst="rect">
             <a:avLst/>
@@ -3442,7 +3412,11 @@
             </a:pPr>
             <a:r>
               <a:rPr b="0" lang="en-US" sz="1800" spc="-1" strike="noStrike">
+                <a:solidFill>
+                  <a:srgbClr val="000000"/>
+                </a:solidFill>
                 <a:latin typeface="Arial"/>
+                <a:ea typeface="DejaVu Sans"/>
               </a:rPr>
               <a:t>Rama Shanker</a:t>
             </a:r>
@@ -3484,14 +3458,14 @@
       </p:grpSpPr>
       <p:sp>
         <p:nvSpPr>
-          <p:cNvPr id="90" name="TextShape 1"/>
-          <p:cNvSpPr txBox="1"/>
+          <p:cNvPr id="90" name="CustomShape 1"/>
+          <p:cNvSpPr/>
           <p:nvPr/>
         </p:nvSpPr>
         <p:spPr>
           <a:xfrm>
             <a:off x="2010960" y="1431000"/>
-            <a:ext cx="4246920" cy="2411640"/>
+            <a:ext cx="4246560" cy="2411280"/>
           </a:xfrm>
           <a:prstGeom prst="rect">
             <a:avLst/>
@@ -3501,22 +3475,38 @@
             <a:noFill/>
           </a:ln>
         </p:spPr>
+        <p:style>
+          <a:lnRef idx="0"/>
+          <a:fillRef idx="0"/>
+          <a:effectRef idx="0"/>
+          <a:fontRef idx="minor"/>
+        </p:style>
         <p:txBody>
           <a:bodyPr lIns="90000" rIns="90000" tIns="45000" bIns="45000">
             <a:noAutofit/>
           </a:bodyPr>
           <a:p>
+            <a:pPr>
+              <a:lnSpc>
+                <a:spcPct val="100000"/>
+              </a:lnSpc>
+            </a:pPr>
             <a:r>
               <a:rPr b="1" lang="en-US" sz="1600" spc="-1" strike="noStrike">
                 <a:latin typeface="Arial"/>
               </a:rPr>
               <a:t>Resilient Distributed Dataset(RDD)</a:t>
             </a:r>
-            <a:endParaRPr b="1" lang="en-US" sz="1600" spc="-1" strike="noStrike">
-              <a:latin typeface="Arial"/>
-            </a:endParaRPr>
-          </a:p>
-          <a:p>
+            <a:endParaRPr b="0" lang="en-US" sz="1600" spc="-1" strike="noStrike">
+              <a:latin typeface="Arial"/>
+            </a:endParaRPr>
+          </a:p>
+          <a:p>
+            <a:pPr>
+              <a:lnSpc>
+                <a:spcPct val="100000"/>
+              </a:lnSpc>
+            </a:pPr>
             <a:r>
               <a:rPr b="0" lang="en-US" sz="1000" spc="-1" strike="noStrike">
                 <a:latin typeface="Arial"/>
@@ -3528,6 +3518,11 @@
             </a:endParaRPr>
           </a:p>
           <a:p>
+            <a:pPr>
+              <a:lnSpc>
+                <a:spcPct val="100000"/>
+              </a:lnSpc>
+            </a:pPr>
             <a:r>
               <a:rPr b="0" lang="en-US" sz="1000" spc="-1" strike="noStrike">
                 <a:latin typeface="Arial"/>
@@ -3539,6 +3534,11 @@
             </a:endParaRPr>
           </a:p>
           <a:p>
+            <a:pPr>
+              <a:lnSpc>
+                <a:spcPct val="100000"/>
+              </a:lnSpc>
+            </a:pPr>
             <a:r>
               <a:rPr b="0" lang="en-US" sz="1000" spc="-1" strike="noStrike">
                 <a:latin typeface="Arial"/>
@@ -3550,6 +3550,11 @@
             </a:endParaRPr>
           </a:p>
           <a:p>
+            <a:pPr>
+              <a:lnSpc>
+                <a:spcPct val="100000"/>
+              </a:lnSpc>
+            </a:pPr>
             <a:r>
               <a:rPr b="0" lang="en-US" sz="1000" spc="-1" strike="noStrike">
                 <a:latin typeface="Arial"/>
@@ -3561,6 +3566,11 @@
             </a:endParaRPr>
           </a:p>
           <a:p>
+            <a:pPr>
+              <a:lnSpc>
+                <a:spcPct val="100000"/>
+              </a:lnSpc>
+            </a:pPr>
             <a:endParaRPr b="0" lang="en-US" sz="1000" spc="-1" strike="noStrike">
               <a:latin typeface="Arial"/>
             </a:endParaRPr>
@@ -3610,7 +3620,7 @@
         <p:spPr>
           <a:xfrm>
             <a:off x="17640" y="1906200"/>
-            <a:ext cx="9143640" cy="4083840"/>
+            <a:ext cx="9143280" cy="4083480"/>
           </a:xfrm>
           <a:prstGeom prst="rect">
             <a:avLst/>
@@ -3663,7 +3673,7 @@
         <p:spPr>
           <a:xfrm>
             <a:off x="932040" y="2681280"/>
-            <a:ext cx="7314840" cy="2533320"/>
+            <a:ext cx="7314480" cy="2532960"/>
           </a:xfrm>
           <a:prstGeom prst="rect">
             <a:avLst/>
@@ -3716,7 +3726,7 @@
         <p:spPr>
           <a:xfrm>
             <a:off x="932040" y="1819440"/>
-            <a:ext cx="7314840" cy="4257360"/>
+            <a:ext cx="7314480" cy="4257000"/>
           </a:xfrm>
           <a:prstGeom prst="rect">
             <a:avLst/>
@@ -3850,7 +3860,7 @@
         <p:spPr>
           <a:xfrm>
             <a:off x="0" y="2207160"/>
-            <a:ext cx="5111280" cy="4649400"/>
+            <a:ext cx="5110920" cy="4649040"/>
           </a:xfrm>
           <a:prstGeom prst="rect">
             <a:avLst/>
@@ -3943,14 +3953,14 @@
       </p:grpSpPr>
       <p:sp>
         <p:nvSpPr>
-          <p:cNvPr id="82" name="TextShape 1"/>
-          <p:cNvSpPr txBox="1"/>
+          <p:cNvPr id="82" name="CustomShape 1"/>
+          <p:cNvSpPr/>
           <p:nvPr/>
         </p:nvSpPr>
         <p:spPr>
           <a:xfrm>
             <a:off x="3200400" y="731520"/>
-            <a:ext cx="2011680" cy="346320"/>
+            <a:ext cx="2011320" cy="345960"/>
           </a:xfrm>
           <a:prstGeom prst="rect">
             <a:avLst/>
@@ -3960,11 +3970,22 @@
             <a:noFill/>
           </a:ln>
         </p:spPr>
+        <p:style>
+          <a:lnRef idx="0"/>
+          <a:fillRef idx="0"/>
+          <a:effectRef idx="0"/>
+          <a:fontRef idx="minor"/>
+        </p:style>
         <p:txBody>
           <a:bodyPr lIns="90000" rIns="90000" tIns="45000" bIns="45000">
             <a:noAutofit/>
           </a:bodyPr>
           <a:p>
+            <a:pPr>
+              <a:lnSpc>
+                <a:spcPct val="100000"/>
+              </a:lnSpc>
+            </a:pPr>
             <a:r>
               <a:rPr b="0" lang="en-US" sz="1800" spc="-1" strike="noStrike">
                 <a:latin typeface="Arial"/>
@@ -3979,14 +4000,14 @@
       </p:sp>
       <p:sp>
         <p:nvSpPr>
-          <p:cNvPr id="83" name="TextShape 2"/>
-          <p:cNvSpPr txBox="1"/>
+          <p:cNvPr id="83" name="CustomShape 2"/>
+          <p:cNvSpPr/>
           <p:nvPr/>
         </p:nvSpPr>
         <p:spPr>
           <a:xfrm>
             <a:off x="182880" y="1678320"/>
-            <a:ext cx="9283680" cy="1489320"/>
+            <a:ext cx="9283320" cy="1488960"/>
           </a:xfrm>
           <a:prstGeom prst="rect">
             <a:avLst/>
@@ -3996,11 +4017,22 @@
             <a:noFill/>
           </a:ln>
         </p:spPr>
+        <p:style>
+          <a:lnRef idx="0"/>
+          <a:fillRef idx="0"/>
+          <a:effectRef idx="0"/>
+          <a:fontRef idx="minor"/>
+        </p:style>
         <p:txBody>
           <a:bodyPr lIns="90000" rIns="90000" tIns="45000" bIns="45000">
             <a:noAutofit/>
           </a:bodyPr>
           <a:p>
+            <a:pPr>
+              <a:lnSpc>
+                <a:spcPct val="100000"/>
+              </a:lnSpc>
+            </a:pPr>
             <a:r>
               <a:rPr b="0" lang="en-US" sz="1000" spc="-1" strike="noStrike">
                 <a:latin typeface="Arial"/>
@@ -4012,6 +4044,11 @@
             </a:endParaRPr>
           </a:p>
           <a:p>
+            <a:pPr>
+              <a:lnSpc>
+                <a:spcPct val="100000"/>
+              </a:lnSpc>
+            </a:pPr>
             <a:r>
               <a:rPr b="0" lang="en-US" sz="1000" spc="-1" strike="noStrike">
                 <a:latin typeface="Arial"/>
@@ -4023,6 +4060,11 @@
             </a:endParaRPr>
           </a:p>
           <a:p>
+            <a:pPr>
+              <a:lnSpc>
+                <a:spcPct val="100000"/>
+              </a:lnSpc>
+            </a:pPr>
             <a:r>
               <a:rPr b="0" lang="en-US" sz="1000" spc="-1" strike="noStrike">
                 <a:latin typeface="Arial"/>
@@ -4034,6 +4076,11 @@
             </a:endParaRPr>
           </a:p>
           <a:p>
+            <a:pPr>
+              <a:lnSpc>
+                <a:spcPct val="100000"/>
+              </a:lnSpc>
+            </a:pPr>
             <a:r>
               <a:rPr b="0" lang="en-US" sz="1000" spc="-1" strike="noStrike">
                 <a:latin typeface="Arial"/>
@@ -4089,7 +4136,7 @@
         <p:spPr>
           <a:xfrm>
             <a:off x="932040" y="1494360"/>
-            <a:ext cx="7314840" cy="3885840"/>
+            <a:ext cx="7314480" cy="3885480"/>
           </a:xfrm>
           <a:prstGeom prst="rect">
             <a:avLst/>
@@ -4131,14 +4178,14 @@
       </p:grpSpPr>
       <p:sp>
         <p:nvSpPr>
-          <p:cNvPr id="85" name="TextShape 1"/>
-          <p:cNvSpPr txBox="1"/>
+          <p:cNvPr id="85" name="CustomShape 1"/>
+          <p:cNvSpPr/>
           <p:nvPr/>
         </p:nvSpPr>
         <p:spPr>
           <a:xfrm>
             <a:off x="69120" y="1154880"/>
-            <a:ext cx="9041400" cy="4564800"/>
+            <a:ext cx="9041040" cy="4564440"/>
           </a:xfrm>
           <a:prstGeom prst="rect">
             <a:avLst/>
@@ -4148,11 +4195,22 @@
             <a:noFill/>
           </a:ln>
         </p:spPr>
+        <p:style>
+          <a:lnRef idx="0"/>
+          <a:fillRef idx="0"/>
+          <a:effectRef idx="0"/>
+          <a:fontRef idx="minor"/>
+        </p:style>
         <p:txBody>
           <a:bodyPr lIns="90000" rIns="90000" tIns="45000" bIns="45000">
             <a:noAutofit/>
           </a:bodyPr>
           <a:p>
+            <a:pPr>
+              <a:lnSpc>
+                <a:spcPct val="100000"/>
+              </a:lnSpc>
+            </a:pPr>
             <a:r>
               <a:rPr b="0" lang="en-US" sz="1000" spc="-1" strike="noStrike">
                 <a:latin typeface="Arial"/>
@@ -4164,6 +4222,11 @@
             </a:endParaRPr>
           </a:p>
           <a:p>
+            <a:pPr>
+              <a:lnSpc>
+                <a:spcPct val="100000"/>
+              </a:lnSpc>
+            </a:pPr>
             <a:r>
               <a:rPr b="0" lang="en-US" sz="1000" spc="-1" strike="noStrike">
                 <a:latin typeface="Arial"/>
@@ -4175,6 +4238,11 @@
             </a:endParaRPr>
           </a:p>
           <a:p>
+            <a:pPr>
+              <a:lnSpc>
+                <a:spcPct val="100000"/>
+              </a:lnSpc>
+            </a:pPr>
             <a:r>
               <a:rPr b="0" lang="en-US" sz="1000" spc="-1" strike="noStrike">
                 <a:latin typeface="Arial"/>
@@ -4186,6 +4254,11 @@
             </a:endParaRPr>
           </a:p>
           <a:p>
+            <a:pPr>
+              <a:lnSpc>
+                <a:spcPct val="100000"/>
+              </a:lnSpc>
+            </a:pPr>
             <a:r>
               <a:rPr b="0" lang="en-US" sz="1000" spc="-1" strike="noStrike">
                 <a:latin typeface="Arial"/>
@@ -4197,6 +4270,11 @@
             </a:endParaRPr>
           </a:p>
           <a:p>
+            <a:pPr>
+              <a:lnSpc>
+                <a:spcPct val="100000"/>
+              </a:lnSpc>
+            </a:pPr>
             <a:r>
               <a:rPr b="0" lang="en-US" sz="1000" spc="-1" strike="noStrike">
                 <a:latin typeface="Arial"/>
@@ -4208,6 +4286,11 @@
             </a:endParaRPr>
           </a:p>
           <a:p>
+            <a:pPr>
+              <a:lnSpc>
+                <a:spcPct val="100000"/>
+              </a:lnSpc>
+            </a:pPr>
             <a:r>
               <a:rPr b="0" lang="en-US" sz="1000" spc="-1" strike="noStrike">
                 <a:latin typeface="Arial"/>
@@ -4219,6 +4302,11 @@
             </a:endParaRPr>
           </a:p>
           <a:p>
+            <a:pPr>
+              <a:lnSpc>
+                <a:spcPct val="100000"/>
+              </a:lnSpc>
+            </a:pPr>
             <a:r>
               <a:rPr b="0" lang="en-US" sz="1000" spc="-1" strike="noStrike">
                 <a:latin typeface="Arial"/>
@@ -4230,6 +4318,11 @@
             </a:endParaRPr>
           </a:p>
           <a:p>
+            <a:pPr>
+              <a:lnSpc>
+                <a:spcPct val="100000"/>
+              </a:lnSpc>
+            </a:pPr>
             <a:r>
               <a:rPr b="0" lang="en-US" sz="1000" spc="-1" strike="noStrike">
                 <a:latin typeface="Arial"/>
@@ -4241,6 +4334,11 @@
             </a:endParaRPr>
           </a:p>
           <a:p>
+            <a:pPr>
+              <a:lnSpc>
+                <a:spcPct val="100000"/>
+              </a:lnSpc>
+            </a:pPr>
             <a:r>
               <a:rPr b="0" lang="en-US" sz="1000" spc="-1" strike="noStrike">
                 <a:latin typeface="Arial"/>
@@ -4258,6 +4356,11 @@
             </a:endParaRPr>
           </a:p>
           <a:p>
+            <a:pPr>
+              <a:lnSpc>
+                <a:spcPct val="100000"/>
+              </a:lnSpc>
+            </a:pPr>
             <a:r>
               <a:rPr b="0" lang="en-US" sz="1000" spc="-1" strike="noStrike">
                 <a:latin typeface="Arial"/>
@@ -4269,6 +4372,11 @@
             </a:endParaRPr>
           </a:p>
           <a:p>
+            <a:pPr>
+              <a:lnSpc>
+                <a:spcPct val="100000"/>
+              </a:lnSpc>
+            </a:pPr>
             <a:endParaRPr b="0" lang="en-US" sz="1000" spc="-1" strike="noStrike">
               <a:latin typeface="Arial"/>
             </a:endParaRPr>
@@ -4307,14 +4415,14 @@
       </p:grpSpPr>
       <p:sp>
         <p:nvSpPr>
-          <p:cNvPr id="86" name="TextShape 1"/>
-          <p:cNvSpPr txBox="1"/>
+          <p:cNvPr id="86" name="CustomShape 1"/>
+          <p:cNvSpPr/>
           <p:nvPr/>
         </p:nvSpPr>
         <p:spPr>
           <a:xfrm>
             <a:off x="0" y="822960"/>
-            <a:ext cx="9120600" cy="2134440"/>
+            <a:ext cx="9120240" cy="2134080"/>
           </a:xfrm>
           <a:prstGeom prst="rect">
             <a:avLst/>
@@ -4324,22 +4432,38 @@
             <a:noFill/>
           </a:ln>
         </p:spPr>
+        <p:style>
+          <a:lnRef idx="0"/>
+          <a:fillRef idx="0"/>
+          <a:effectRef idx="0"/>
+          <a:fontRef idx="minor"/>
+        </p:style>
         <p:txBody>
           <a:bodyPr lIns="90000" rIns="90000" tIns="45000" bIns="45000">
             <a:noAutofit/>
           </a:bodyPr>
           <a:p>
+            <a:pPr>
+              <a:lnSpc>
+                <a:spcPct val="100000"/>
+              </a:lnSpc>
+            </a:pPr>
             <a:r>
               <a:rPr b="1" lang="en-US" sz="1600" spc="-1" strike="noStrike">
                 <a:latin typeface="Arial"/>
               </a:rPr>
               <a:t>Spark Architecture Overview</a:t>
             </a:r>
-            <a:endParaRPr b="1" lang="en-US" sz="1600" spc="-1" strike="noStrike">
-              <a:latin typeface="Arial"/>
-            </a:endParaRPr>
-          </a:p>
-          <a:p>
+            <a:endParaRPr b="0" lang="en-US" sz="1600" spc="-1" strike="noStrike">
+              <a:latin typeface="Arial"/>
+            </a:endParaRPr>
+          </a:p>
+          <a:p>
+            <a:pPr>
+              <a:lnSpc>
+                <a:spcPct val="100000"/>
+              </a:lnSpc>
+            </a:pPr>
             <a:r>
               <a:rPr b="0" lang="en-US" sz="1000" spc="-1" strike="noStrike">
                 <a:latin typeface="Arial"/>
@@ -4351,6 +4475,11 @@
             </a:endParaRPr>
           </a:p>
           <a:p>
+            <a:pPr>
+              <a:lnSpc>
+                <a:spcPct val="100000"/>
+              </a:lnSpc>
+            </a:pPr>
             <a:r>
               <a:rPr b="0" lang="en-US" sz="1000" spc="-1" strike="noStrike">
                 <a:latin typeface="Arial"/>
@@ -4362,6 +4491,11 @@
             </a:endParaRPr>
           </a:p>
           <a:p>
+            <a:pPr>
+              <a:lnSpc>
+                <a:spcPct val="100000"/>
+              </a:lnSpc>
+            </a:pPr>
             <a:r>
               <a:rPr b="0" lang="en-US" sz="1000" spc="-1" strike="noStrike">
                 <a:latin typeface="Arial"/>
@@ -4373,6 +4507,11 @@
             </a:endParaRPr>
           </a:p>
           <a:p>
+            <a:pPr>
+              <a:lnSpc>
+                <a:spcPct val="100000"/>
+              </a:lnSpc>
+            </a:pPr>
             <a:endParaRPr b="0" lang="en-US" sz="1000" spc="-1" strike="noStrike">
               <a:latin typeface="Arial"/>
             </a:endParaRPr>
@@ -4422,7 +4561,7 @@
         <p:spPr>
           <a:xfrm>
             <a:off x="1303560" y="1865880"/>
-            <a:ext cx="6571800" cy="3142800"/>
+            <a:ext cx="6571440" cy="3142440"/>
           </a:xfrm>
           <a:prstGeom prst="rect">
             <a:avLst/>
@@ -4475,7 +4614,7 @@
         <p:spPr>
           <a:xfrm>
             <a:off x="71640" y="8280"/>
-            <a:ext cx="9035640" cy="6857640"/>
+            <a:ext cx="9035280" cy="6857280"/>
           </a:xfrm>
           <a:prstGeom prst="rect">
             <a:avLst/>
@@ -4517,14 +4656,14 @@
       </p:grpSpPr>
       <p:sp>
         <p:nvSpPr>
-          <p:cNvPr id="89" name="TextShape 1"/>
-          <p:cNvSpPr txBox="1"/>
+          <p:cNvPr id="89" name="CustomShape 1"/>
+          <p:cNvSpPr/>
           <p:nvPr/>
         </p:nvSpPr>
         <p:spPr>
           <a:xfrm>
             <a:off x="182880" y="365760"/>
-            <a:ext cx="8686800" cy="6395400"/>
+            <a:ext cx="8686440" cy="6395040"/>
           </a:xfrm>
           <a:prstGeom prst="rect">
             <a:avLst/>
@@ -4534,11 +4673,22 @@
             <a:noFill/>
           </a:ln>
         </p:spPr>
+        <p:style>
+          <a:lnRef idx="0"/>
+          <a:fillRef idx="0"/>
+          <a:effectRef idx="0"/>
+          <a:fontRef idx="minor"/>
+        </p:style>
         <p:txBody>
           <a:bodyPr lIns="90000" rIns="90000" tIns="45000" bIns="45000">
             <a:noAutofit/>
           </a:bodyPr>
           <a:p>
+            <a:pPr>
+              <a:lnSpc>
+                <a:spcPct val="100000"/>
+              </a:lnSpc>
+            </a:pPr>
             <a:r>
               <a:rPr b="0" lang="en-US" sz="1000" spc="-1" strike="noStrike">
                 <a:latin typeface="Arial"/>
@@ -4550,6 +4700,11 @@
             </a:endParaRPr>
           </a:p>
           <a:p>
+            <a:pPr>
+              <a:lnSpc>
+                <a:spcPct val="100000"/>
+              </a:lnSpc>
+            </a:pPr>
             <a:r>
               <a:rPr b="0" lang="en-US" sz="1000" spc="-1" strike="noStrike">
                 <a:latin typeface="Arial"/>
@@ -4561,6 +4716,21 @@
             </a:endParaRPr>
           </a:p>
           <a:p>
+            <a:pPr>
+              <a:lnSpc>
+                <a:spcPct val="100000"/>
+              </a:lnSpc>
+            </a:pPr>
+            <a:endParaRPr b="0" lang="en-US" sz="1000" spc="-1" strike="noStrike">
+              <a:latin typeface="Arial"/>
+            </a:endParaRPr>
+          </a:p>
+          <a:p>
+            <a:pPr>
+              <a:lnSpc>
+                <a:spcPct val="100000"/>
+              </a:lnSpc>
+            </a:pPr>
             <a:r>
               <a:rPr b="0" lang="en-US" sz="1000" spc="-1" strike="noStrike">
                 <a:latin typeface="Arial"/>
@@ -4572,6 +4742,11 @@
             </a:endParaRPr>
           </a:p>
           <a:p>
+            <a:pPr>
+              <a:lnSpc>
+                <a:spcPct val="100000"/>
+              </a:lnSpc>
+            </a:pPr>
             <a:r>
               <a:rPr b="0" lang="en-US" sz="1000" spc="-1" strike="noStrike">
                 <a:latin typeface="Arial"/>
@@ -4583,6 +4758,21 @@
             </a:endParaRPr>
           </a:p>
           <a:p>
+            <a:pPr>
+              <a:lnSpc>
+                <a:spcPct val="100000"/>
+              </a:lnSpc>
+            </a:pPr>
+            <a:endParaRPr b="0" lang="en-US" sz="1000" spc="-1" strike="noStrike">
+              <a:latin typeface="Arial"/>
+            </a:endParaRPr>
+          </a:p>
+          <a:p>
+            <a:pPr>
+              <a:lnSpc>
+                <a:spcPct val="100000"/>
+              </a:lnSpc>
+            </a:pPr>
             <a:r>
               <a:rPr b="0" lang="en-US" sz="1000" spc="-1" strike="noStrike">
                 <a:latin typeface="Arial"/>
@@ -4594,6 +4784,11 @@
             </a:endParaRPr>
           </a:p>
           <a:p>
+            <a:pPr>
+              <a:lnSpc>
+                <a:spcPct val="100000"/>
+              </a:lnSpc>
+            </a:pPr>
             <a:r>
               <a:rPr b="0" lang="en-US" sz="1000" spc="-1" strike="noStrike">
                 <a:latin typeface="Arial"/>
@@ -4605,6 +4800,21 @@
             </a:endParaRPr>
           </a:p>
           <a:p>
+            <a:pPr>
+              <a:lnSpc>
+                <a:spcPct val="100000"/>
+              </a:lnSpc>
+            </a:pPr>
+            <a:endParaRPr b="0" lang="en-US" sz="1000" spc="-1" strike="noStrike">
+              <a:latin typeface="Arial"/>
+            </a:endParaRPr>
+          </a:p>
+          <a:p>
+            <a:pPr>
+              <a:lnSpc>
+                <a:spcPct val="100000"/>
+              </a:lnSpc>
+            </a:pPr>
             <a:r>
               <a:rPr b="0" lang="en-US" sz="1000" spc="-1" strike="noStrike">
                 <a:latin typeface="Arial"/>
@@ -4616,6 +4826,11 @@
             </a:endParaRPr>
           </a:p>
           <a:p>
+            <a:pPr>
+              <a:lnSpc>
+                <a:spcPct val="100000"/>
+              </a:lnSpc>
+            </a:pPr>
             <a:r>
               <a:rPr b="0" lang="en-US" sz="1000" spc="-1" strike="noStrike">
                 <a:latin typeface="Arial"/>
@@ -4627,6 +4842,21 @@
             </a:endParaRPr>
           </a:p>
           <a:p>
+            <a:pPr>
+              <a:lnSpc>
+                <a:spcPct val="100000"/>
+              </a:lnSpc>
+            </a:pPr>
+            <a:endParaRPr b="0" lang="en-US" sz="1000" spc="-1" strike="noStrike">
+              <a:latin typeface="Arial"/>
+            </a:endParaRPr>
+          </a:p>
+          <a:p>
+            <a:pPr>
+              <a:lnSpc>
+                <a:spcPct val="100000"/>
+              </a:lnSpc>
+            </a:pPr>
             <a:r>
               <a:rPr b="0" lang="en-US" sz="1000" spc="-1" strike="noStrike">
                 <a:latin typeface="Arial"/>
@@ -4638,6 +4868,11 @@
             </a:endParaRPr>
           </a:p>
           <a:p>
+            <a:pPr>
+              <a:lnSpc>
+                <a:spcPct val="100000"/>
+              </a:lnSpc>
+            </a:pPr>
             <a:r>
               <a:rPr b="0" lang="en-US" sz="1000" spc="-1" strike="noStrike">
                 <a:latin typeface="Arial"/>
@@ -4649,6 +4884,21 @@
             </a:endParaRPr>
           </a:p>
           <a:p>
+            <a:pPr>
+              <a:lnSpc>
+                <a:spcPct val="100000"/>
+              </a:lnSpc>
+            </a:pPr>
+            <a:endParaRPr b="0" lang="en-US" sz="1000" spc="-1" strike="noStrike">
+              <a:latin typeface="Arial"/>
+            </a:endParaRPr>
+          </a:p>
+          <a:p>
+            <a:pPr>
+              <a:lnSpc>
+                <a:spcPct val="100000"/>
+              </a:lnSpc>
+            </a:pPr>
             <a:r>
               <a:rPr b="0" lang="en-US" sz="1000" spc="-1" strike="noStrike">
                 <a:latin typeface="Arial"/>
@@ -4660,6 +4910,11 @@
             </a:endParaRPr>
           </a:p>
           <a:p>
+            <a:pPr>
+              <a:lnSpc>
+                <a:spcPct val="100000"/>
+              </a:lnSpc>
+            </a:pPr>
             <a:r>
               <a:rPr b="0" lang="en-US" sz="1000" spc="-1" strike="noStrike">
                 <a:latin typeface="Arial"/>
@@ -4671,6 +4926,11 @@
             </a:endParaRPr>
           </a:p>
           <a:p>
+            <a:pPr>
+              <a:lnSpc>
+                <a:spcPct val="100000"/>
+              </a:lnSpc>
+            </a:pPr>
             <a:endParaRPr b="0" lang="en-US" sz="1000" spc="-1" strike="noStrike">
               <a:latin typeface="Arial"/>
             </a:endParaRPr>
